--- a/ADS y Notebooks.pptx
+++ b/ADS y Notebooks.pptx
@@ -137,7 +137,7 @@
 <file path=ppt/revisionInfo.xml><?xml version="1.0" encoding="utf-8"?>
 <p1510:revInfo xmlns:a="http://schemas.openxmlformats.org/drawingml/2006/main" xmlns:r="http://schemas.openxmlformats.org/officeDocument/2006/relationships" xmlns:p1510="http://schemas.microsoft.com/office/powerpoint/2015/10/main">
   <p1510:revLst>
-    <p1510:client id="{D6F8B245-164B-4DDA-BE62-45BECD945FC6}" v="31" dt="2020-06-01T17:41:26.159"/>
+    <p1510:client id="{D6F8B245-164B-4DDA-BE62-45BECD945FC6}" v="32" dt="2020-06-01T18:45:51.075"/>
   </p1510:revLst>
 </p1510:revInfo>
 </file>
@@ -147,7 +147,7 @@
   <pc:docChgLst>
     <pc:chgData name="Felipe" userId="07bd7586-d8a8-477f-ad5d-65cabb3a4426" providerId="ADAL" clId="{D6F8B245-164B-4DDA-BE62-45BECD945FC6}"/>
     <pc:docChg chg="addSld modSld">
-      <pc:chgData name="Felipe" userId="07bd7586-d8a8-477f-ad5d-65cabb3a4426" providerId="ADAL" clId="{D6F8B245-164B-4DDA-BE62-45BECD945FC6}" dt="2020-06-01T17:41:26.159" v="29"/>
+      <pc:chgData name="Felipe" userId="07bd7586-d8a8-477f-ad5d-65cabb3a4426" providerId="ADAL" clId="{D6F8B245-164B-4DDA-BE62-45BECD945FC6}" dt="2020-06-01T18:45:57.702" v="48" actId="20577"/>
       <pc:docMkLst>
         <pc:docMk/>
       </pc:docMkLst>
@@ -287,12 +287,20 @@
           </ac:spMkLst>
         </pc:spChg>
       </pc:sldChg>
-      <pc:sldChg chg="add">
-        <pc:chgData name="Felipe" userId="07bd7586-d8a8-477f-ad5d-65cabb3a4426" providerId="ADAL" clId="{D6F8B245-164B-4DDA-BE62-45BECD945FC6}" dt="2020-06-01T17:36:27.677" v="27"/>
+      <pc:sldChg chg="modSp add mod">
+        <pc:chgData name="Felipe" userId="07bd7586-d8a8-477f-ad5d-65cabb3a4426" providerId="ADAL" clId="{D6F8B245-164B-4DDA-BE62-45BECD945FC6}" dt="2020-06-01T18:45:57.702" v="48" actId="20577"/>
         <pc:sldMkLst>
           <pc:docMk/>
           <pc:sldMk cId="1972139528" sldId="293"/>
         </pc:sldMkLst>
+        <pc:spChg chg="mod">
+          <ac:chgData name="Felipe" userId="07bd7586-d8a8-477f-ad5d-65cabb3a4426" providerId="ADAL" clId="{D6F8B245-164B-4DDA-BE62-45BECD945FC6}" dt="2020-06-01T18:45:57.702" v="48" actId="20577"/>
+          <ac:spMkLst>
+            <pc:docMk/>
+            <pc:sldMk cId="1972139528" sldId="293"/>
+            <ac:spMk id="2" creationId="{D7583080-D6B0-4321-B2D4-F5AB054F2DD7}"/>
+          </ac:spMkLst>
+        </pc:spChg>
       </pc:sldChg>
       <pc:sldChg chg="add">
         <pc:chgData name="Felipe" userId="07bd7586-d8a8-477f-ad5d-65cabb3a4426" providerId="ADAL" clId="{D6F8B245-164B-4DDA-BE62-45BECD945FC6}" dt="2020-06-01T17:39:23.832" v="28"/>
@@ -7060,7 +7068,7 @@
         <p:spPr>
           <a:xfrm>
             <a:off x="1728118" y="2268141"/>
-            <a:ext cx="5977919" cy="2246769"/>
+            <a:ext cx="5838458" cy="2246769"/>
           </a:xfrm>
           <a:prstGeom prst="rect">
             <a:avLst/>
@@ -7079,7 +7087,7 @@
             </a:pPr>
             <a:r>
               <a:rPr lang="en-US" sz="2800" dirty="0" err="1"/>
-              <a:t>Herrmano</a:t>
+              <a:t>Hermano</a:t>
             </a:r>
             <a:r>
               <a:rPr lang="en-US" sz="2800" dirty="0"/>
@@ -7108,13 +7116,14 @@
               <a:buChar char="•"/>
             </a:pPr>
             <a:r>
+              <a:rPr lang="en-US" sz="2800" dirty="0"/>
+              <a:t>Git </a:t>
+            </a:r>
+            <a:r>
               <a:rPr lang="en-US" sz="2800" dirty="0" err="1"/>
-              <a:t>Powershell</a:t>
-            </a:r>
-            <a:r>
-              <a:rPr lang="en-US" sz="2800" dirty="0"/>
-              <a:t> </a:t>
-            </a:r>
+              <a:t>integrado</a:t>
+            </a:r>
+            <a:endParaRPr lang="en-US" sz="2800" dirty="0"/>
           </a:p>
           <a:p>
             <a:pPr marL="285750" indent="-285750">
@@ -7122,14 +7131,21 @@
               <a:buChar char="•"/>
             </a:pPr>
             <a:r>
+              <a:rPr lang="en-US" sz="2800" dirty="0" err="1"/>
+              <a:t>Extensión</a:t>
+            </a:r>
+            <a:r>
               <a:rPr lang="en-US" sz="2800" dirty="0"/>
-              <a:t>Git </a:t>
+              <a:t> de </a:t>
             </a:r>
             <a:r>
               <a:rPr lang="en-US" sz="2800" dirty="0" err="1"/>
-              <a:t>integrado</a:t>
-            </a:r>
-            <a:endParaRPr lang="en-US" sz="2800" dirty="0"/>
+              <a:t>Powershell</a:t>
+            </a:r>
+            <a:r>
+              <a:rPr lang="en-US" sz="2800" dirty="0"/>
+              <a:t> </a:t>
+            </a:r>
           </a:p>
           <a:p>
             <a:pPr marL="285750" indent="-285750">
@@ -9356,6 +9372,15 @@
 </file>
 
 <file path=customXml/item2.xml><?xml version="1.0" encoding="utf-8"?>
+<?mso-contentType ?>
+<FormTemplates xmlns="http://schemas.microsoft.com/sharepoint/v3/contenttype/forms">
+  <Display>DocumentLibraryForm</Display>
+  <Edit>DocumentLibraryForm</Edit>
+  <New>DocumentLibraryForm</New>
+</FormTemplates>
+</file>
+
+<file path=customXml/item3.xml><?xml version="1.0" encoding="utf-8"?>
 <ct:contentTypeSchema xmlns:ct="http://schemas.microsoft.com/office/2006/metadata/contentType" xmlns:ma="http://schemas.microsoft.com/office/2006/metadata/properties/metaAttributes" ct:_="" ma:_="" ma:contentTypeName="Costeo" ma:contentTypeID="0x0101001C85014FB2E631418083CDCBE238455700A34156B813D51749859A413098FC3AF7" ma:contentTypeVersion="14" ma:contentTypeDescription="" ma:contentTypeScope="" ma:versionID="c3616f94ed063fc9caf1e9c6d4d3d138">
   <xsd:schema xmlns:xsd="http://www.w3.org/2001/XMLSchema" xmlns:xs="http://www.w3.org/2001/XMLSchema" xmlns:p="http://schemas.microsoft.com/office/2006/metadata/properties" xmlns:ns2="eb79ef08-d6ea-454d-89ec-5defb19f87d4" xmlns:ns3="3255e6e4-873e-4044-999e-31f7be6fdfba" xmlns:ns4="80016db4-2f73-4dad-80f8-5039dfc5beac" targetNamespace="http://schemas.microsoft.com/office/2006/metadata/properties" ma:root="true" ma:fieldsID="64a58343d1e9b384b07a66940b0fc4f7" ns2:_="" ns3:_="" ns4:_="">
     <xsd:import namespace="eb79ef08-d6ea-454d-89ec-5defb19f87d4"/>
@@ -9583,15 +9608,6 @@
 </ct:contentTypeSchema>
 </file>
 
-<file path=customXml/item3.xml><?xml version="1.0" encoding="utf-8"?>
-<?mso-contentType ?>
-<FormTemplates xmlns="http://schemas.microsoft.com/sharepoint/v3/contenttype/forms">
-  <Display>DocumentLibraryForm</Display>
-  <Edit>DocumentLibraryForm</Edit>
-  <New>DocumentLibraryForm</New>
-</FormTemplates>
-</file>
-
 <file path=customXml/itemProps1.xml><?xml version="1.0" encoding="utf-8"?>
 <ds:datastoreItem xmlns:ds="http://schemas.openxmlformats.org/officeDocument/2006/customXml" ds:itemID="{DFBE688F-1AC8-4B51-8CD5-DE0AFD76364C}">
   <ds:schemaRefs>
@@ -9604,6 +9620,14 @@
 </file>
 
 <file path=customXml/itemProps2.xml><?xml version="1.0" encoding="utf-8"?>
+<ds:datastoreItem xmlns:ds="http://schemas.openxmlformats.org/officeDocument/2006/customXml" ds:itemID="{CAEEA4F1-FC6E-4DAA-B150-B5426C7959CD}">
+  <ds:schemaRefs>
+    <ds:schemaRef ds:uri="http://schemas.microsoft.com/sharepoint/v3/contenttype/forms"/>
+  </ds:schemaRefs>
+</ds:datastoreItem>
+</file>
+
+<file path=customXml/itemProps3.xml><?xml version="1.0" encoding="utf-8"?>
 <ds:datastoreItem xmlns:ds="http://schemas.openxmlformats.org/officeDocument/2006/customXml" ds:itemID="{8958795A-50CA-4D71-9301-3D41C97E7FD4}">
   <ds:schemaRefs>
     <ds:schemaRef ds:uri="http://schemas.microsoft.com/office/2006/metadata/contentType"/>
@@ -9621,12 +9645,4 @@
     <ds:schemaRef ds:uri="http://schemas.microsoft.com/internal/obd"/>
   </ds:schemaRefs>
 </ds:datastoreItem>
-</file>
-
-<file path=customXml/itemProps3.xml><?xml version="1.0" encoding="utf-8"?>
-<ds:datastoreItem xmlns:ds="http://schemas.openxmlformats.org/officeDocument/2006/customXml" ds:itemID="{CAEEA4F1-FC6E-4DAA-B150-B5426C7959CD}">
-  <ds:schemaRefs>
-    <ds:schemaRef ds:uri="http://schemas.microsoft.com/sharepoint/v3/contenttype/forms"/>
-  </ds:schemaRefs>
-</ds:datastoreItem>
 </file>